--- a/18獻上感謝.pptx
+++ b/18獻上感謝.pptx
@@ -110,6 +110,22 @@
       </a:defRPr>
     </a:lvl9pPr>
   </p:defaultTextStyle>
+  <p:extLst>
+    <p:ext uri="{EFAFB233-063F-42B5-8137-9DF3F51BA10A}">
+      <p15:sldGuideLst xmlns:p15="http://schemas.microsoft.com/office/powerpoint/2012/main">
+        <p15:guide id="1" orient="horz" pos="1620">
+          <p15:clr>
+            <a:srgbClr val="A4A3A4"/>
+          </p15:clr>
+        </p15:guide>
+        <p15:guide id="2" pos="2880">
+          <p15:clr>
+            <a:srgbClr val="A4A3A4"/>
+          </p15:clr>
+        </p15:guide>
+      </p15:sldGuideLst>
+    </p:ext>
+  </p:extLst>
 </p:presentation>
 </file>
 
@@ -295,7 +311,7 @@
             <a:fld id="{86B5546F-C09B-4E63-ABC5-F7C86A7E8D66}" type="datetimeFigureOut">
               <a:rPr lang="en-US" smtClean="0"/>
               <a:pPr/>
-              <a:t>9/7/2019</a:t>
+              <a:t>11/20/2020</a:t>
             </a:fld>
             <a:endParaRPr lang="en-US"/>
           </a:p>
@@ -462,7 +478,7 @@
             <a:fld id="{86B5546F-C09B-4E63-ABC5-F7C86A7E8D66}" type="datetimeFigureOut">
               <a:rPr lang="en-US" smtClean="0"/>
               <a:pPr/>
-              <a:t>9/7/2019</a:t>
+              <a:t>11/20/2020</a:t>
             </a:fld>
             <a:endParaRPr lang="en-US"/>
           </a:p>
@@ -639,7 +655,7 @@
             <a:fld id="{86B5546F-C09B-4E63-ABC5-F7C86A7E8D66}" type="datetimeFigureOut">
               <a:rPr lang="en-US" smtClean="0"/>
               <a:pPr/>
-              <a:t>9/7/2019</a:t>
+              <a:t>11/20/2020</a:t>
             </a:fld>
             <a:endParaRPr lang="en-US"/>
           </a:p>
@@ -806,7 +822,7 @@
             <a:fld id="{86B5546F-C09B-4E63-ABC5-F7C86A7E8D66}" type="datetimeFigureOut">
               <a:rPr lang="en-US" smtClean="0"/>
               <a:pPr/>
-              <a:t>9/7/2019</a:t>
+              <a:t>11/20/2020</a:t>
             </a:fld>
             <a:endParaRPr lang="en-US"/>
           </a:p>
@@ -1049,7 +1065,7 @@
             <a:fld id="{86B5546F-C09B-4E63-ABC5-F7C86A7E8D66}" type="datetimeFigureOut">
               <a:rPr lang="en-US" smtClean="0"/>
               <a:pPr/>
-              <a:t>9/7/2019</a:t>
+              <a:t>11/20/2020</a:t>
             </a:fld>
             <a:endParaRPr lang="en-US"/>
           </a:p>
@@ -1334,7 +1350,7 @@
             <a:fld id="{86B5546F-C09B-4E63-ABC5-F7C86A7E8D66}" type="datetimeFigureOut">
               <a:rPr lang="en-US" smtClean="0"/>
               <a:pPr/>
-              <a:t>9/7/2019</a:t>
+              <a:t>11/20/2020</a:t>
             </a:fld>
             <a:endParaRPr lang="en-US"/>
           </a:p>
@@ -1753,7 +1769,7 @@
             <a:fld id="{86B5546F-C09B-4E63-ABC5-F7C86A7E8D66}" type="datetimeFigureOut">
               <a:rPr lang="en-US" smtClean="0"/>
               <a:pPr/>
-              <a:t>9/7/2019</a:t>
+              <a:t>11/20/2020</a:t>
             </a:fld>
             <a:endParaRPr lang="en-US"/>
           </a:p>
@@ -1868,7 +1884,7 @@
             <a:fld id="{86B5546F-C09B-4E63-ABC5-F7C86A7E8D66}" type="datetimeFigureOut">
               <a:rPr lang="en-US" smtClean="0"/>
               <a:pPr/>
-              <a:t>9/7/2019</a:t>
+              <a:t>11/20/2020</a:t>
             </a:fld>
             <a:endParaRPr lang="en-US"/>
           </a:p>
@@ -1960,7 +1976,7 @@
             <a:fld id="{86B5546F-C09B-4E63-ABC5-F7C86A7E8D66}" type="datetimeFigureOut">
               <a:rPr lang="en-US" smtClean="0"/>
               <a:pPr/>
-              <a:t>9/7/2019</a:t>
+              <a:t>11/20/2020</a:t>
             </a:fld>
             <a:endParaRPr lang="en-US"/>
           </a:p>
@@ -2234,7 +2250,7 @@
             <a:fld id="{86B5546F-C09B-4E63-ABC5-F7C86A7E8D66}" type="datetimeFigureOut">
               <a:rPr lang="en-US" smtClean="0"/>
               <a:pPr/>
-              <a:t>9/7/2019</a:t>
+              <a:t>11/20/2020</a:t>
             </a:fld>
             <a:endParaRPr lang="en-US"/>
           </a:p>
@@ -2488,7 +2504,7 @@
             <a:fld id="{86B5546F-C09B-4E63-ABC5-F7C86A7E8D66}" type="datetimeFigureOut">
               <a:rPr lang="en-US" smtClean="0"/>
               <a:pPr/>
-              <a:t>9/7/2019</a:t>
+              <a:t>11/20/2020</a:t>
             </a:fld>
             <a:endParaRPr lang="en-US"/>
           </a:p>
@@ -2703,7 +2719,7 @@
             <a:fld id="{86B5546F-C09B-4E63-ABC5-F7C86A7E8D66}" type="datetimeFigureOut">
               <a:rPr lang="en-US" smtClean="0"/>
               <a:pPr/>
-              <a:t>9/7/2019</a:t>
+              <a:t>11/20/2020</a:t>
             </a:fld>
             <a:endParaRPr lang="en-US"/>
           </a:p>
@@ -3097,13 +3113,33 @@
           <a:lstStyle/>
           <a:p>
             <a:r>
-              <a:rPr lang="zh-CN" altLang="en-US" sz="8000" b="1" dirty="0" smtClean="0">
+              <a:rPr lang="zh-CN" altLang="en-US" sz="7200" b="1" dirty="0">
+                <a:solidFill>
+                  <a:srgbClr val="660033"/>
+                </a:solidFill>
+                <a:effectLst>
+                  <a:outerShdw blurRad="38100" dist="38100" dir="2700000" algn="tl">
+                    <a:srgbClr val="000000">
+                      <a:alpha val="43137"/>
+                    </a:srgbClr>
+                  </a:outerShdw>
+                </a:effectLst>
                 <a:latin typeface="微軟正黑體" pitchFamily="34" charset="-120"/>
                 <a:ea typeface="微軟正黑體" pitchFamily="34" charset="-120"/>
               </a:rPr>
               <a:t>獻上感謝</a:t>
             </a:r>
-            <a:endParaRPr lang="en-US" sz="8000" b="1" dirty="0">
+            <a:endParaRPr lang="en-US" sz="7200" b="1" dirty="0">
+              <a:solidFill>
+                <a:srgbClr val="660033"/>
+              </a:solidFill>
+              <a:effectLst>
+                <a:outerShdw blurRad="38100" dist="38100" dir="2700000" algn="tl">
+                  <a:srgbClr val="000000">
+                    <a:alpha val="43137"/>
+                  </a:srgbClr>
+                </a:outerShdw>
+              </a:effectLst>
               <a:latin typeface="微軟正黑體" pitchFamily="34" charset="-120"/>
               <a:ea typeface="微軟正黑體" pitchFamily="34" charset="-120"/>
             </a:endParaRPr>
@@ -3134,103 +3170,148 @@
           <a:p>
             <a:r>
               <a:rPr lang="zh-CN" altLang="en-US" b="1" dirty="0" smtClean="0">
-                <a:latin typeface="微軟正黑體" pitchFamily="34" charset="-120"/>
-                <a:ea typeface="微軟正黑體" pitchFamily="34" charset="-120"/>
-              </a:rPr>
-              <a:t>詩</a:t>
+                <a:solidFill>
+                  <a:srgbClr val="000066"/>
+                </a:solidFill>
+                <a:latin typeface="微軟正黑體" pitchFamily="34" charset="-120"/>
+                <a:ea typeface="微軟正黑體" pitchFamily="34" charset="-120"/>
+              </a:rPr>
+              <a:t>詩 </a:t>
             </a:r>
             <a:r>
               <a:rPr lang="en-US" altLang="zh-CN" b="1" dirty="0" smtClean="0">
+                <a:solidFill>
+                  <a:srgbClr val="000066"/>
+                </a:solidFill>
                 <a:latin typeface="微軟正黑體" pitchFamily="34" charset="-120"/>
                 <a:ea typeface="微軟正黑體" pitchFamily="34" charset="-120"/>
               </a:rPr>
               <a:t>50</a:t>
             </a:r>
             <a:r>
-              <a:rPr lang="zh-CN" altLang="en-US" b="1" dirty="0" smtClean="0">
+              <a:rPr lang="zh-CN" altLang="en-US" b="1" dirty="0">
+                <a:solidFill>
+                  <a:srgbClr val="000066"/>
+                </a:solidFill>
                 <a:latin typeface="微軟正黑體" pitchFamily="34" charset="-120"/>
                 <a:ea typeface="微軟正黑體" pitchFamily="34" charset="-120"/>
               </a:rPr>
               <a:t>：</a:t>
             </a:r>
             <a:r>
-              <a:rPr lang="en-US" altLang="zh-CN" b="1" dirty="0" smtClean="0">
+              <a:rPr lang="en-US" altLang="zh-CN" b="1" dirty="0">
+                <a:solidFill>
+                  <a:srgbClr val="000066"/>
+                </a:solidFill>
                 <a:latin typeface="微軟正黑體" pitchFamily="34" charset="-120"/>
                 <a:ea typeface="微軟正黑體" pitchFamily="34" charset="-120"/>
               </a:rPr>
               <a:t>14</a:t>
             </a:r>
             <a:r>
-              <a:rPr lang="zh-CN" altLang="en-US" b="1" dirty="0" smtClean="0">
+              <a:rPr lang="zh-CN" altLang="en-US" b="1" dirty="0">
+                <a:solidFill>
+                  <a:srgbClr val="000066"/>
+                </a:solidFill>
                 <a:latin typeface="微軟正黑體" pitchFamily="34" charset="-120"/>
                 <a:ea typeface="微軟正黑體" pitchFamily="34" charset="-120"/>
               </a:rPr>
               <a:t>，</a:t>
             </a:r>
             <a:r>
-              <a:rPr lang="en-US" altLang="zh-CN" b="1" dirty="0" smtClean="0">
+              <a:rPr lang="en-US" altLang="zh-CN" b="1" dirty="0">
+                <a:solidFill>
+                  <a:srgbClr val="000066"/>
+                </a:solidFill>
                 <a:latin typeface="微軟正黑體" pitchFamily="34" charset="-120"/>
                 <a:ea typeface="微軟正黑體" pitchFamily="34" charset="-120"/>
               </a:rPr>
               <a:t>23</a:t>
             </a:r>
             <a:r>
-              <a:rPr lang="zh-CN" altLang="en-US" b="1" dirty="0" smtClean="0">
+              <a:rPr lang="zh-CN" altLang="en-US" b="1" dirty="0">
+                <a:solidFill>
+                  <a:srgbClr val="000066"/>
+                </a:solidFill>
                 <a:latin typeface="微軟正黑體" pitchFamily="34" charset="-120"/>
                 <a:ea typeface="微軟正黑體" pitchFamily="34" charset="-120"/>
               </a:rPr>
               <a:t>；</a:t>
             </a:r>
             <a:r>
-              <a:rPr lang="en-US" altLang="zh-CN" b="1" dirty="0" smtClean="0">
+              <a:rPr lang="en-US" altLang="zh-CN" b="1" dirty="0">
+                <a:solidFill>
+                  <a:srgbClr val="000066"/>
+                </a:solidFill>
                 <a:latin typeface="微軟正黑體" pitchFamily="34" charset="-120"/>
                 <a:ea typeface="微軟正黑體" pitchFamily="34" charset="-120"/>
               </a:rPr>
               <a:t>95</a:t>
             </a:r>
             <a:r>
-              <a:rPr lang="zh-CN" altLang="en-US" b="1" dirty="0" smtClean="0">
+              <a:rPr lang="zh-CN" altLang="en-US" b="1" dirty="0">
+                <a:solidFill>
+                  <a:srgbClr val="000066"/>
+                </a:solidFill>
                 <a:latin typeface="微軟正黑體" pitchFamily="34" charset="-120"/>
                 <a:ea typeface="微軟正黑體" pitchFamily="34" charset="-120"/>
               </a:rPr>
               <a:t>：</a:t>
             </a:r>
             <a:r>
-              <a:rPr lang="en-US" altLang="zh-CN" b="1" dirty="0" smtClean="0">
+              <a:rPr lang="en-US" altLang="zh-CN" b="1" dirty="0">
+                <a:solidFill>
+                  <a:srgbClr val="000066"/>
+                </a:solidFill>
                 <a:latin typeface="微軟正黑體" pitchFamily="34" charset="-120"/>
                 <a:ea typeface="微軟正黑體" pitchFamily="34" charset="-120"/>
               </a:rPr>
               <a:t>1-7</a:t>
             </a:r>
             <a:r>
-              <a:rPr lang="zh-CN" altLang="en-US" b="1" dirty="0" smtClean="0">
+              <a:rPr lang="zh-CN" altLang="en-US" b="1" dirty="0">
+                <a:solidFill>
+                  <a:srgbClr val="000066"/>
+                </a:solidFill>
                 <a:latin typeface="微軟正黑體" pitchFamily="34" charset="-120"/>
                 <a:ea typeface="微軟正黑體" pitchFamily="34" charset="-120"/>
               </a:rPr>
               <a:t>；</a:t>
             </a:r>
             <a:r>
-              <a:rPr lang="en-US" altLang="zh-CN" b="1" dirty="0" smtClean="0">
+              <a:rPr lang="en-US" altLang="zh-CN" b="1" dirty="0">
+                <a:solidFill>
+                  <a:srgbClr val="000066"/>
+                </a:solidFill>
                 <a:latin typeface="微軟正黑體" pitchFamily="34" charset="-120"/>
                 <a:ea typeface="微軟正黑體" pitchFamily="34" charset="-120"/>
               </a:rPr>
               <a:t>100</a:t>
             </a:r>
             <a:r>
-              <a:rPr lang="zh-CN" altLang="en-US" b="1" dirty="0" smtClean="0">
+              <a:rPr lang="zh-CN" altLang="en-US" b="1" dirty="0">
+                <a:solidFill>
+                  <a:srgbClr val="000066"/>
+                </a:solidFill>
                 <a:latin typeface="微軟正黑體" pitchFamily="34" charset="-120"/>
                 <a:ea typeface="微軟正黑體" pitchFamily="34" charset="-120"/>
               </a:rPr>
               <a:t>：</a:t>
             </a:r>
             <a:r>
-              <a:rPr lang="en-US" altLang="zh-CN" b="1" dirty="0" smtClean="0">
+              <a:rPr lang="en-US" altLang="zh-CN" b="1" dirty="0">
+                <a:solidFill>
+                  <a:srgbClr val="000066"/>
+                </a:solidFill>
                 <a:latin typeface="微軟正黑體" pitchFamily="34" charset="-120"/>
                 <a:ea typeface="微軟正黑體" pitchFamily="34" charset="-120"/>
               </a:rPr>
               <a:t>1-5</a:t>
             </a:r>
             <a:endParaRPr lang="en-US" b="1" dirty="0">
+              <a:solidFill>
+                <a:srgbClr val="000066"/>
+              </a:solidFill>
               <a:latin typeface="微軟正黑體" pitchFamily="34" charset="-120"/>
               <a:ea typeface="微軟正黑體" pitchFamily="34" charset="-120"/>
             </a:endParaRPr>
@@ -3282,43 +3363,48 @@
         <p:spPr>
           <a:xfrm>
             <a:off x="0" y="0"/>
-            <a:ext cx="9144000" cy="5143500"/>
+            <a:ext cx="8991600" cy="5143500"/>
           </a:xfrm>
         </p:spPr>
         <p:txBody>
-          <a:bodyPr>
+          <a:bodyPr anchor="ctr">
             <a:noAutofit/>
           </a:bodyPr>
           <a:lstStyle/>
           <a:p>
             <a:r>
-              <a:rPr lang="zh-TW" altLang="en-US" sz="4800" dirty="0" smtClean="0">
+              <a:rPr lang="zh-TW" altLang="en-US" sz="4800" dirty="0">
+                <a:solidFill>
+                  <a:srgbClr val="000066"/>
+                </a:solidFill>
                 <a:latin typeface="微軟正黑體" pitchFamily="34" charset="-120"/>
                 <a:ea typeface="微軟正黑體" pitchFamily="34" charset="-120"/>
               </a:rPr>
               <a:t>你們要以感謝為祭獻與神，又要向至高者還你的願，</a:t>
             </a:r>
-            <a:endParaRPr lang="en-US" altLang="zh-TW" sz="4800" dirty="0" smtClean="0">
+            <a:endParaRPr lang="en-US" altLang="zh-TW" sz="4800" dirty="0">
+              <a:solidFill>
+                <a:srgbClr val="000066"/>
+              </a:solidFill>
               <a:latin typeface="微軟正黑體" pitchFamily="34" charset="-120"/>
               <a:ea typeface="微軟正黑體" pitchFamily="34" charset="-120"/>
             </a:endParaRPr>
           </a:p>
           <a:p>
             <a:r>
-              <a:rPr lang="zh-TW" altLang="en-US" sz="4800" b="1" dirty="0" smtClean="0">
-                <a:latin typeface="微軟正黑體" pitchFamily="34" charset="-120"/>
-                <a:ea typeface="微軟正黑體" pitchFamily="34" charset="-120"/>
-              </a:rPr>
-              <a:t>凡以感謝獻上為祭的便是榮耀我；那按正路而行的，我必使他得著我的救恩</a:t>
-            </a:r>
-            <a:r>
-              <a:rPr lang="zh-TW" altLang="en-US" sz="4800" b="1" dirty="0" smtClean="0">
-                <a:latin typeface="微軟正黑體" pitchFamily="34" charset="-120"/>
-                <a:ea typeface="微軟正黑體" pitchFamily="34" charset="-120"/>
-              </a:rPr>
-              <a:t>。</a:t>
-            </a:r>
-            <a:endParaRPr lang="en-US" altLang="zh-TW" sz="4800" b="1" dirty="0" smtClean="0">
+              <a:rPr lang="zh-TW" altLang="en-US" sz="4800" b="1" dirty="0">
+                <a:solidFill>
+                  <a:srgbClr val="000066"/>
+                </a:solidFill>
+                <a:latin typeface="微軟正黑體" pitchFamily="34" charset="-120"/>
+                <a:ea typeface="微軟正黑體" pitchFamily="34" charset="-120"/>
+              </a:rPr>
+              <a:t>凡以感謝獻上為祭的便是榮耀我；那按正路而行的，我必使他得著我的救恩。</a:t>
+            </a:r>
+            <a:endParaRPr lang="en-US" altLang="zh-TW" sz="4800" b="1" dirty="0">
+              <a:solidFill>
+                <a:srgbClr val="000066"/>
+              </a:solidFill>
               <a:latin typeface="微軟正黑體" pitchFamily="34" charset="-120"/>
               <a:ea typeface="微軟正黑體" pitchFamily="34" charset="-120"/>
             </a:endParaRPr>
@@ -3370,51 +3456,59 @@
         <p:spPr>
           <a:xfrm>
             <a:off x="0" y="0"/>
-            <a:ext cx="9144000" cy="5143500"/>
+            <a:ext cx="8991600" cy="5143500"/>
           </a:xfrm>
         </p:spPr>
         <p:txBody>
-          <a:bodyPr>
+          <a:bodyPr anchor="ctr">
             <a:noAutofit/>
           </a:bodyPr>
           <a:lstStyle/>
           <a:p>
             <a:r>
               <a:rPr lang="zh-TW" altLang="en-US" sz="4800" dirty="0">
+                <a:solidFill>
+                  <a:srgbClr val="000066"/>
+                </a:solidFill>
                 <a:latin typeface="微軟正黑體" pitchFamily="34" charset="-120"/>
                 <a:ea typeface="微軟正黑體" pitchFamily="34" charset="-120"/>
               </a:rPr>
               <a:t>來啊，我們要向耶和華歌唱，向拯救我們的磐石歡呼</a:t>
             </a:r>
             <a:r>
-              <a:rPr lang="zh-TW" altLang="en-US" sz="4800" dirty="0" smtClean="0">
+              <a:rPr lang="zh-TW" altLang="en-US" sz="4800" dirty="0">
+                <a:solidFill>
+                  <a:srgbClr val="000066"/>
+                </a:solidFill>
                 <a:latin typeface="微軟正黑體" pitchFamily="34" charset="-120"/>
                 <a:ea typeface="微軟正黑體" pitchFamily="34" charset="-120"/>
               </a:rPr>
               <a:t>！</a:t>
             </a:r>
-            <a:endParaRPr lang="en-US" altLang="zh-TW" sz="4800" b="1" dirty="0" smtClean="0">
+            <a:endParaRPr lang="en-US" altLang="zh-TW" sz="4800" dirty="0">
+              <a:solidFill>
+                <a:srgbClr val="000066"/>
+              </a:solidFill>
               <a:latin typeface="微軟正黑體" pitchFamily="34" charset="-120"/>
               <a:ea typeface="微軟正黑體" pitchFamily="34" charset="-120"/>
             </a:endParaRPr>
           </a:p>
           <a:p>
             <a:r>
-              <a:rPr lang="zh-TW" altLang="en-US" sz="4800" b="1" dirty="0" smtClean="0">
-                <a:latin typeface="微軟正黑體" pitchFamily="34" charset="-120"/>
-                <a:ea typeface="微軟正黑體" pitchFamily="34" charset="-120"/>
-              </a:rPr>
-              <a:t>我</a:t>
-            </a:r>
-            <a:r>
-              <a:rPr lang="zh-TW" altLang="en-US" sz="4800" b="1" dirty="0" smtClean="0">
-                <a:latin typeface="微軟正黑體" pitchFamily="34" charset="-120"/>
-                <a:ea typeface="微軟正黑體" pitchFamily="34" charset="-120"/>
-              </a:rPr>
-              <a:t>們要來感謝他，用詩歌向他歡呼！</a:t>
-            </a:r>
-            <a:r>
-              <a:rPr lang="en-US" altLang="zh-TW" sz="4800" b="1" dirty="0" smtClean="0">
+              <a:rPr lang="zh-TW" altLang="en-US" sz="4800" b="1" dirty="0">
+                <a:solidFill>
+                  <a:srgbClr val="000066"/>
+                </a:solidFill>
+                <a:latin typeface="微軟正黑體" pitchFamily="34" charset="-120"/>
+                <a:ea typeface="微軟正黑體" pitchFamily="34" charset="-120"/>
+              </a:rPr>
+              <a:t>我們要來感謝他，用詩歌向他歡呼！</a:t>
+            </a:r>
+            <a:r>
+              <a:rPr lang="en-US" altLang="zh-TW" sz="4800" b="1" dirty="0">
+                <a:solidFill>
+                  <a:srgbClr val="000066"/>
+                </a:solidFill>
                 <a:latin typeface="微軟正黑體" pitchFamily="34" charset="-120"/>
                 <a:ea typeface="微軟正黑體" pitchFamily="34" charset="-120"/>
               </a:rPr>
@@ -3423,14 +3517,20 @@
           </a:p>
           <a:p>
             <a:r>
-              <a:rPr lang="zh-TW" altLang="en-US" sz="4800" dirty="0" smtClean="0">
+              <a:rPr lang="zh-TW" altLang="en-US" sz="4800" dirty="0">
+                <a:solidFill>
+                  <a:srgbClr val="000066"/>
+                </a:solidFill>
                 <a:latin typeface="微軟正黑體" pitchFamily="34" charset="-120"/>
                 <a:ea typeface="微軟正黑體" pitchFamily="34" charset="-120"/>
               </a:rPr>
               <a:t>因耶和華為大神，為大王，超乎萬神之上。</a:t>
             </a:r>
             <a:r>
-              <a:rPr lang="en-US" altLang="zh-TW" sz="4800" dirty="0" smtClean="0">
+              <a:rPr lang="en-US" altLang="zh-TW" sz="4800" dirty="0">
+                <a:solidFill>
+                  <a:srgbClr val="000066"/>
+                </a:solidFill>
                 <a:latin typeface="微軟正黑體" pitchFamily="34" charset="-120"/>
                 <a:ea typeface="微軟正黑體" pitchFamily="34" charset="-120"/>
               </a:rPr>
@@ -3484,37 +3584,49 @@
         <p:spPr>
           <a:xfrm>
             <a:off x="0" y="0"/>
-            <a:ext cx="9144000" cy="5143500"/>
+            <a:ext cx="8991600" cy="5143500"/>
           </a:xfrm>
         </p:spPr>
         <p:txBody>
-          <a:bodyPr>
+          <a:bodyPr anchor="ctr">
             <a:noAutofit/>
           </a:bodyPr>
           <a:lstStyle/>
           <a:p>
             <a:r>
               <a:rPr lang="zh-TW" altLang="en-US" sz="4800" b="1" dirty="0">
+                <a:solidFill>
+                  <a:srgbClr val="000066"/>
+                </a:solidFill>
                 <a:latin typeface="微軟正黑體" pitchFamily="34" charset="-120"/>
                 <a:ea typeface="微軟正黑體" pitchFamily="34" charset="-120"/>
               </a:rPr>
               <a:t>地的深處在他手中；山的高峰也屬他</a:t>
             </a:r>
             <a:r>
-              <a:rPr lang="zh-TW" altLang="en-US" sz="4800" b="1" dirty="0" smtClean="0">
+              <a:rPr lang="zh-TW" altLang="en-US" sz="4800" b="1" dirty="0">
+                <a:solidFill>
+                  <a:srgbClr val="000066"/>
+                </a:solidFill>
                 <a:latin typeface="微軟正黑體" pitchFamily="34" charset="-120"/>
                 <a:ea typeface="微軟正黑體" pitchFamily="34" charset="-120"/>
               </a:rPr>
               <a:t>。</a:t>
             </a:r>
-            <a:endParaRPr lang="en-US" altLang="zh-TW" sz="4800" dirty="0" smtClean="0">
+            <a:endParaRPr lang="en-US" altLang="zh-TW" sz="4800" b="1" dirty="0">
+              <a:solidFill>
+                <a:srgbClr val="000066"/>
+              </a:solidFill>
               <a:latin typeface="微軟正黑體" pitchFamily="34" charset="-120"/>
               <a:ea typeface="微軟正黑體" pitchFamily="34" charset="-120"/>
             </a:endParaRPr>
           </a:p>
           <a:p>
             <a:r>
-              <a:rPr lang="zh-TW" altLang="en-US" sz="4800" dirty="0" smtClean="0">
+              <a:rPr lang="zh-TW" altLang="en-US" sz="4800" dirty="0">
+                <a:solidFill>
+                  <a:srgbClr val="000066"/>
+                </a:solidFill>
                 <a:latin typeface="微軟正黑體" pitchFamily="34" charset="-120"/>
                 <a:ea typeface="微軟正黑體" pitchFamily="34" charset="-120"/>
               </a:rPr>
@@ -3522,6 +3634,9 @@
             </a:r>
             <a:r>
               <a:rPr lang="zh-TW" altLang="en-US" sz="4800" dirty="0">
+                <a:solidFill>
+                  <a:srgbClr val="000066"/>
+                </a:solidFill>
                 <a:latin typeface="微軟正黑體" pitchFamily="34" charset="-120"/>
                 <a:ea typeface="微軟正黑體" pitchFamily="34" charset="-120"/>
               </a:rPr>
@@ -3529,15 +3644,43 @@
             </a:r>
             <a:r>
               <a:rPr lang="en-US" altLang="zh-TW" sz="4800" dirty="0">
+                <a:solidFill>
+                  <a:srgbClr val="000066"/>
+                </a:solidFill>
                 <a:latin typeface="微軟正黑體" pitchFamily="34" charset="-120"/>
                 <a:ea typeface="微軟正黑體" pitchFamily="34" charset="-120"/>
               </a:rPr>
               <a:t> </a:t>
             </a:r>
-            <a:endParaRPr lang="en-US" altLang="zh-TW" sz="4800" b="1" dirty="0" smtClean="0">
+            <a:endParaRPr lang="en-US" altLang="zh-TW" sz="4800" dirty="0" smtClean="0">
+              <a:solidFill>
+                <a:srgbClr val="000066"/>
+              </a:solidFill>
               <a:latin typeface="微軟正黑體" pitchFamily="34" charset="-120"/>
               <a:ea typeface="微軟正黑體" pitchFamily="34" charset="-120"/>
             </a:endParaRPr>
+          </a:p>
+          <a:p>
+            <a:r>
+              <a:rPr lang="zh-TW" altLang="en-US" sz="4800" b="1" dirty="0">
+                <a:solidFill>
+                  <a:srgbClr val="000066"/>
+                </a:solidFill>
+                <a:latin typeface="微軟正黑體" pitchFamily="34" charset="-120"/>
+                <a:ea typeface="微軟正黑體" pitchFamily="34" charset="-120"/>
+              </a:rPr>
+              <a:t>來啊，我們要屈身敬拜，在造我們的耶和華面前跪下。</a:t>
+            </a:r>
+            <a:r>
+              <a:rPr lang="en-US" altLang="zh-TW" sz="4800" b="1" dirty="0">
+                <a:solidFill>
+                  <a:srgbClr val="000066"/>
+                </a:solidFill>
+                <a:latin typeface="微軟正黑體" pitchFamily="34" charset="-120"/>
+                <a:ea typeface="微軟正黑體" pitchFamily="34" charset="-120"/>
+              </a:rPr>
+              <a:t> </a:t>
+            </a:r>
           </a:p>
         </p:txBody>
       </p:sp>
@@ -3590,79 +3733,126 @@
           </a:xfrm>
         </p:spPr>
         <p:txBody>
-          <a:bodyPr>
+          <a:bodyPr anchor="ctr">
             <a:normAutofit/>
           </a:bodyPr>
           <a:lstStyle/>
           <a:p>
             <a:r>
-              <a:rPr lang="zh-TW" altLang="en-US" sz="4800" b="1" dirty="0">
-                <a:latin typeface="微軟正黑體" pitchFamily="34" charset="-120"/>
-                <a:ea typeface="微軟正黑體" pitchFamily="34" charset="-120"/>
-              </a:rPr>
-              <a:t>來啊，我們要屈身敬拜，在造我們的耶和華面前跪下。</a:t>
-            </a:r>
-            <a:r>
-              <a:rPr lang="en-US" altLang="zh-TW" sz="4800" b="1" dirty="0">
-                <a:latin typeface="微軟正黑體" pitchFamily="34" charset="-120"/>
-                <a:ea typeface="微軟正黑體" pitchFamily="34" charset="-120"/>
-              </a:rPr>
-              <a:t> </a:t>
-            </a:r>
-            <a:endParaRPr lang="en-US" altLang="zh-TW" sz="4800" dirty="0" smtClean="0">
+              <a:rPr lang="zh-TW" altLang="en-US" sz="4800" dirty="0">
+                <a:solidFill>
+                  <a:srgbClr val="000066"/>
+                </a:solidFill>
+                <a:latin typeface="微軟正黑體" pitchFamily="34" charset="-120"/>
+                <a:ea typeface="微軟正黑體" pitchFamily="34" charset="-120"/>
+              </a:rPr>
+              <a:t>因</a:t>
+            </a:r>
+            <a:r>
+              <a:rPr lang="zh-TW" altLang="en-US" sz="4800" dirty="0">
+                <a:solidFill>
+                  <a:srgbClr val="000066"/>
+                </a:solidFill>
+                <a:latin typeface="微軟正黑體" pitchFamily="34" charset="-120"/>
+                <a:ea typeface="微軟正黑體" pitchFamily="34" charset="-120"/>
+              </a:rPr>
+              <a:t>為他是我們的神；我們是他草場的羊，是他手下的民</a:t>
+            </a:r>
+            <a:r>
+              <a:rPr lang="zh-TW" altLang="en-US" sz="4800" dirty="0">
+                <a:solidFill>
+                  <a:srgbClr val="000066"/>
+                </a:solidFill>
+                <a:latin typeface="微軟正黑體" pitchFamily="34" charset="-120"/>
+                <a:ea typeface="微軟正黑體" pitchFamily="34" charset="-120"/>
+              </a:rPr>
+              <a:t>。</a:t>
+            </a:r>
+            <a:endParaRPr lang="en-US" altLang="zh-TW" sz="4800" dirty="0">
+              <a:solidFill>
+                <a:srgbClr val="000066"/>
+              </a:solidFill>
               <a:latin typeface="微軟正黑體" pitchFamily="34" charset="-120"/>
               <a:ea typeface="微軟正黑體" pitchFamily="34" charset="-120"/>
             </a:endParaRPr>
           </a:p>
           <a:p>
             <a:r>
-              <a:rPr lang="zh-TW" altLang="en-US" sz="4800" dirty="0" smtClean="0">
-                <a:latin typeface="微軟正黑體" pitchFamily="34" charset="-120"/>
-                <a:ea typeface="微軟正黑體" pitchFamily="34" charset="-120"/>
-              </a:rPr>
-              <a:t>因</a:t>
-            </a:r>
-            <a:r>
-              <a:rPr lang="zh-TW" altLang="en-US" sz="4800" dirty="0">
-                <a:latin typeface="微軟正黑體" pitchFamily="34" charset="-120"/>
-                <a:ea typeface="微軟正黑體" pitchFamily="34" charset="-120"/>
-              </a:rPr>
-              <a:t>為他是我們的神；我們是他草場的羊，是他手下的民</a:t>
-            </a:r>
-            <a:r>
-              <a:rPr lang="zh-TW" altLang="en-US" sz="4800" dirty="0" smtClean="0">
-                <a:latin typeface="微軟正黑體" pitchFamily="34" charset="-120"/>
-                <a:ea typeface="微軟正黑體" pitchFamily="34" charset="-120"/>
-              </a:rPr>
-              <a:t>。</a:t>
-            </a:r>
-            <a:endParaRPr lang="en-US" altLang="zh-TW" sz="4800" b="1" dirty="0" smtClean="0">
+              <a:rPr lang="zh-TW" altLang="en-US" sz="4800" b="1" dirty="0">
+                <a:solidFill>
+                  <a:srgbClr val="000066"/>
+                </a:solidFill>
+                <a:latin typeface="微軟正黑體" pitchFamily="34" charset="-120"/>
+                <a:ea typeface="微軟正黑體" pitchFamily="34" charset="-120"/>
+              </a:rPr>
+              <a:t>普</a:t>
+            </a:r>
+            <a:r>
+              <a:rPr lang="zh-TW" altLang="en-US" sz="4800" b="1" dirty="0">
+                <a:solidFill>
+                  <a:srgbClr val="000066"/>
+                </a:solidFill>
+                <a:latin typeface="微軟正黑體" pitchFamily="34" charset="-120"/>
+                <a:ea typeface="微軟正黑體" pitchFamily="34" charset="-120"/>
+              </a:rPr>
+              <a:t>天下當向耶和華歡呼</a:t>
+            </a:r>
+            <a:r>
+              <a:rPr lang="zh-TW" altLang="en-US" sz="4800" b="1" dirty="0">
+                <a:solidFill>
+                  <a:srgbClr val="000066"/>
+                </a:solidFill>
+                <a:latin typeface="微軟正黑體" pitchFamily="34" charset="-120"/>
+                <a:ea typeface="微軟正黑體" pitchFamily="34" charset="-120"/>
+              </a:rPr>
+              <a:t>！</a:t>
+            </a:r>
+            <a:endParaRPr lang="en-US" altLang="zh-TW" sz="4800" b="1" dirty="0">
+              <a:solidFill>
+                <a:srgbClr val="000066"/>
+              </a:solidFill>
               <a:latin typeface="微軟正黑體" pitchFamily="34" charset="-120"/>
               <a:ea typeface="微軟正黑體" pitchFamily="34" charset="-120"/>
             </a:endParaRPr>
           </a:p>
           <a:p>
             <a:r>
-              <a:rPr lang="zh-TW" altLang="en-US" sz="4800" b="1" dirty="0" smtClean="0">
-                <a:latin typeface="微軟正黑體" pitchFamily="34" charset="-120"/>
-                <a:ea typeface="微軟正黑體" pitchFamily="34" charset="-120"/>
-              </a:rPr>
-              <a:t>普</a:t>
-            </a:r>
-            <a:r>
-              <a:rPr lang="zh-TW" altLang="en-US" sz="4800" b="1" dirty="0">
-                <a:latin typeface="微軟正黑體" pitchFamily="34" charset="-120"/>
-                <a:ea typeface="微軟正黑體" pitchFamily="34" charset="-120"/>
-              </a:rPr>
-              <a:t>天下當向耶和華歡呼！</a:t>
-            </a:r>
-            <a:r>
-              <a:rPr lang="en-US" altLang="zh-TW" sz="4800" b="1" dirty="0">
+              <a:rPr lang="zh-TW" altLang="en-US" sz="4800" dirty="0">
+                <a:solidFill>
+                  <a:srgbClr val="000066"/>
+                </a:solidFill>
+                <a:latin typeface="微軟正黑體" pitchFamily="34" charset="-120"/>
+                <a:ea typeface="微軟正黑體" pitchFamily="34" charset="-120"/>
+              </a:rPr>
+              <a:t>你們當樂意事奉耶和華，當來向他歌唱</a:t>
+            </a:r>
+            <a:r>
+              <a:rPr lang="zh-TW" altLang="en-US" sz="4800" dirty="0">
+                <a:solidFill>
+                  <a:srgbClr val="000066"/>
+                </a:solidFill>
+                <a:latin typeface="微軟正黑體" pitchFamily="34" charset="-120"/>
+                <a:ea typeface="微軟正黑體" pitchFamily="34" charset="-120"/>
+              </a:rPr>
+              <a:t>！</a:t>
+            </a:r>
+            <a:r>
+              <a:rPr lang="en-US" altLang="zh-TW" sz="4800" dirty="0">
+                <a:solidFill>
+                  <a:srgbClr val="000066"/>
+                </a:solidFill>
                 <a:latin typeface="微軟正黑體" pitchFamily="34" charset="-120"/>
                 <a:ea typeface="微軟正黑體" pitchFamily="34" charset="-120"/>
               </a:rPr>
               <a:t> </a:t>
             </a:r>
+            <a:endParaRPr lang="en-US" altLang="zh-TW" sz="4800" dirty="0">
+              <a:solidFill>
+                <a:srgbClr val="000066"/>
+              </a:solidFill>
+              <a:latin typeface="微軟正黑體" pitchFamily="34" charset="-120"/>
+              <a:ea typeface="微軟正黑體" pitchFamily="34" charset="-120"/>
+            </a:endParaRPr>
           </a:p>
         </p:txBody>
       </p:sp>
@@ -3711,56 +3901,54 @@
         <p:spPr>
           <a:xfrm>
             <a:off x="0" y="0"/>
-            <a:ext cx="9144000" cy="5143500"/>
+            <a:ext cx="8991600" cy="5143500"/>
           </a:xfrm>
         </p:spPr>
         <p:txBody>
-          <a:bodyPr>
+          <a:bodyPr anchor="ctr">
             <a:normAutofit/>
           </a:bodyPr>
           <a:lstStyle/>
           <a:p>
             <a:r>
+              <a:rPr lang="zh-TW" altLang="en-US" sz="4800" b="1" dirty="0">
+                <a:solidFill>
+                  <a:srgbClr val="000066"/>
+                </a:solidFill>
+                <a:latin typeface="微軟正黑體" pitchFamily="34" charset="-120"/>
+                <a:ea typeface="微軟正黑體" pitchFamily="34" charset="-120"/>
+              </a:rPr>
+              <a:t>你們當曉得耶和華是神！我們是他造的，也是屬他的；我們是他的民，也是他草場的羊。</a:t>
+            </a:r>
+            <a:r>
+              <a:rPr lang="en-US" altLang="zh-TW" sz="4800" b="1" dirty="0">
+                <a:solidFill>
+                  <a:srgbClr val="000066"/>
+                </a:solidFill>
+                <a:latin typeface="微軟正黑體" pitchFamily="34" charset="-120"/>
+                <a:ea typeface="微軟正黑體" pitchFamily="34" charset="-120"/>
+              </a:rPr>
+              <a:t> </a:t>
+            </a:r>
+          </a:p>
+          <a:p>
+            <a:r>
               <a:rPr lang="zh-TW" altLang="en-US" sz="4800" dirty="0">
-                <a:latin typeface="微軟正黑體" pitchFamily="34" charset="-120"/>
-                <a:ea typeface="微軟正黑體" pitchFamily="34" charset="-120"/>
-              </a:rPr>
-              <a:t>你們當樂意事奉耶和華，當來向他歌唱</a:t>
-            </a:r>
-            <a:r>
-              <a:rPr lang="zh-TW" altLang="en-US" sz="4800" dirty="0" smtClean="0">
-                <a:latin typeface="微軟正黑體" pitchFamily="34" charset="-120"/>
-                <a:ea typeface="微軟正黑體" pitchFamily="34" charset="-120"/>
-              </a:rPr>
-              <a:t>！</a:t>
-            </a:r>
-            <a:endParaRPr lang="en-US" altLang="zh-TW" sz="4800" b="1" dirty="0" smtClean="0">
+                <a:solidFill>
+                  <a:srgbClr val="000066"/>
+                </a:solidFill>
+                <a:latin typeface="微軟正黑體" pitchFamily="34" charset="-120"/>
+                <a:ea typeface="微軟正黑體" pitchFamily="34" charset="-120"/>
+              </a:rPr>
+              <a:t>當稱謝進入他的門；當讚美進入他的院。當感謝他，稱頌他的名！</a:t>
+            </a:r>
+            <a:endParaRPr lang="en-US" altLang="zh-TW" sz="4800" dirty="0">
+              <a:solidFill>
+                <a:srgbClr val="000066"/>
+              </a:solidFill>
               <a:latin typeface="微軟正黑體" pitchFamily="34" charset="-120"/>
               <a:ea typeface="微軟正黑體" pitchFamily="34" charset="-120"/>
             </a:endParaRPr>
-          </a:p>
-          <a:p>
-            <a:r>
-              <a:rPr lang="zh-TW" altLang="en-US" sz="4800" b="1" dirty="0" smtClean="0">
-                <a:latin typeface="微軟正黑體" pitchFamily="34" charset="-120"/>
-                <a:ea typeface="微軟正黑體" pitchFamily="34" charset="-120"/>
-              </a:rPr>
-              <a:t>你</a:t>
-            </a:r>
-            <a:r>
-              <a:rPr lang="zh-TW" altLang="en-US" sz="4800" b="1" dirty="0" smtClean="0">
-                <a:latin typeface="微軟正黑體" pitchFamily="34" charset="-120"/>
-                <a:ea typeface="微軟正黑體" pitchFamily="34" charset="-120"/>
-              </a:rPr>
-              <a:t>們當曉得耶和華是神！我們是他造的，也是屬他的；我們是他的民，也是他草場的羊。</a:t>
-            </a:r>
-            <a:r>
-              <a:rPr lang="en-US" altLang="zh-TW" sz="4800" b="1" dirty="0" smtClean="0">
-                <a:latin typeface="微軟正黑體" pitchFamily="34" charset="-120"/>
-                <a:ea typeface="微軟正黑體" pitchFamily="34" charset="-120"/>
-              </a:rPr>
-              <a:t> </a:t>
-            </a:r>
           </a:p>
         </p:txBody>
       </p:sp>
@@ -3814,50 +4002,49 @@
         <p:spPr>
           <a:xfrm>
             <a:off x="0" y="0"/>
-            <a:ext cx="9144000" cy="5143500"/>
+            <a:ext cx="8839200" cy="5143500"/>
           </a:xfrm>
         </p:spPr>
         <p:txBody>
-          <a:bodyPr>
+          <a:bodyPr anchor="ctr">
             <a:normAutofit/>
           </a:bodyPr>
           <a:lstStyle/>
           <a:p>
             <a:r>
-              <a:rPr lang="zh-TW" altLang="en-US" sz="4800" dirty="0">
-                <a:latin typeface="微軟正黑體" pitchFamily="34" charset="-120"/>
-                <a:ea typeface="微軟正黑體" pitchFamily="34" charset="-120"/>
-              </a:rPr>
-              <a:t>當稱謝進入他的門；當讚美進入他的院。當感謝他，稱頌他的名！</a:t>
-            </a:r>
-            <a:r>
-              <a:rPr lang="en-US" altLang="zh-TW" sz="4800" dirty="0">
-                <a:latin typeface="微軟正黑體" pitchFamily="34" charset="-120"/>
-                <a:ea typeface="微軟正黑體" pitchFamily="34" charset="-120"/>
-              </a:rPr>
-              <a:t> </a:t>
-            </a:r>
-            <a:endParaRPr lang="en-US" altLang="zh-TW" sz="4800" b="1" dirty="0" smtClean="0">
-              <a:latin typeface="微軟正黑體" pitchFamily="34" charset="-120"/>
-              <a:ea typeface="微軟正黑體" pitchFamily="34" charset="-120"/>
-            </a:endParaRPr>
-          </a:p>
-          <a:p>
-            <a:r>
               <a:rPr lang="zh-TW" altLang="en-US" sz="4800" b="1" dirty="0" smtClean="0">
+                <a:solidFill>
+                  <a:srgbClr val="000066"/>
+                </a:solidFill>
                 <a:latin typeface="微軟正黑體" pitchFamily="34" charset="-120"/>
                 <a:ea typeface="微軟正黑體" pitchFamily="34" charset="-120"/>
               </a:rPr>
               <a:t>因</a:t>
             </a:r>
             <a:r>
-              <a:rPr lang="zh-TW" altLang="en-US" sz="4800" b="1" dirty="0" smtClean="0">
-                <a:latin typeface="微軟正黑體" pitchFamily="34" charset="-120"/>
-                <a:ea typeface="微軟正黑體" pitchFamily="34" charset="-120"/>
-              </a:rPr>
-              <a:t>為耶和華本為善。他的慈愛存到永遠；他的信實直到萬代。</a:t>
-            </a:r>
-            <a:endParaRPr lang="en-US" altLang="zh-TW" sz="4800" b="1" dirty="0" smtClean="0">
+              <a:rPr lang="zh-TW" altLang="en-US" sz="4800" b="1" dirty="0">
+                <a:solidFill>
+                  <a:srgbClr val="000066"/>
+                </a:solidFill>
+                <a:latin typeface="微軟正黑體" pitchFamily="34" charset="-120"/>
+                <a:ea typeface="微軟正黑體" pitchFamily="34" charset="-120"/>
+              </a:rPr>
+              <a:t>為耶和華本為善。他的慈愛存到永遠</a:t>
+            </a:r>
+            <a:r>
+              <a:rPr lang="zh-TW" altLang="en-US" sz="4800" b="1" dirty="0">
+                <a:solidFill>
+                  <a:srgbClr val="000066"/>
+                </a:solidFill>
+                <a:latin typeface="微軟正黑體" pitchFamily="34" charset="-120"/>
+                <a:ea typeface="微軟正黑體" pitchFamily="34" charset="-120"/>
+              </a:rPr>
+              <a:t>；他的信實直到萬代。</a:t>
+            </a:r>
+            <a:endParaRPr lang="en-US" altLang="zh-TW" sz="4800" b="1" dirty="0">
+              <a:solidFill>
+                <a:srgbClr val="000066"/>
+              </a:solidFill>
               <a:latin typeface="微軟正黑體" pitchFamily="34" charset="-120"/>
               <a:ea typeface="微軟正黑體" pitchFamily="34" charset="-120"/>
             </a:endParaRPr>
